--- a/report/flowchart.pptx
+++ b/report/flowchart.pptx
@@ -2620,6 +2620,42 @@
         </a:p>
       </dgm:t>
     </dgm:pt>
+    <dgm:pt modelId="{9F13C3BF-C7E9-1A40-9313-E33B6016514E}">
+      <dgm:prSet phldrT="[Text]"/>
+      <dgm:spPr/>
+      <dgm:t>
+        <a:bodyPr/>
+        <a:lstStyle/>
+        <a:p>
+          <a:r>
+            <a:rPr lang="en-GB" dirty="0"/>
+            <a:t>Monitor current cycle time</a:t>
+          </a:r>
+        </a:p>
+      </dgm:t>
+    </dgm:pt>
+    <dgm:pt modelId="{1D8A4F99-E3B6-5A4D-AC38-97B71C5B3A02}" type="parTrans" cxnId="{D78F346B-8AC8-3748-A334-228086DB1E89}">
+      <dgm:prSet/>
+      <dgm:spPr/>
+      <dgm:t>
+        <a:bodyPr/>
+        <a:lstStyle/>
+        <a:p>
+          <a:endParaRPr lang="en-GB"/>
+        </a:p>
+      </dgm:t>
+    </dgm:pt>
+    <dgm:pt modelId="{3A4F810B-2D2C-FA4A-B297-658F74B54AF6}" type="sibTrans" cxnId="{D78F346B-8AC8-3748-A334-228086DB1E89}">
+      <dgm:prSet/>
+      <dgm:spPr/>
+      <dgm:t>
+        <a:bodyPr/>
+        <a:lstStyle/>
+        <a:p>
+          <a:endParaRPr lang="en-GB"/>
+        </a:p>
+      </dgm:t>
+    </dgm:pt>
     <dgm:pt modelId="{71734FB4-80E7-4B44-8867-962CFC7B83AE}" type="pres">
       <dgm:prSet presAssocID="{6CE31FE7-924D-AB4C-8C33-FBF9F7CB8B72}" presName="diagram" presStyleCnt="0">
         <dgm:presLayoutVars>
@@ -2673,11 +2709,11 @@
       <dgm:spPr/>
     </dgm:pt>
     <dgm:pt modelId="{3DB2D27F-50A3-0444-9EE9-AF84A6FBF4E3}" type="pres">
-      <dgm:prSet presAssocID="{FBF2C0C8-CE62-634D-98A2-5A2CB56F0E04}" presName="conn2-1" presStyleLbl="parChTrans1D3" presStyleIdx="0" presStyleCnt="1"/>
+      <dgm:prSet presAssocID="{FBF2C0C8-CE62-634D-98A2-5A2CB56F0E04}" presName="conn2-1" presStyleLbl="parChTrans1D3" presStyleIdx="0" presStyleCnt="2"/>
       <dgm:spPr/>
     </dgm:pt>
     <dgm:pt modelId="{417C68D7-1C9F-C243-BB69-4F8A47C501DC}" type="pres">
-      <dgm:prSet presAssocID="{FBF2C0C8-CE62-634D-98A2-5A2CB56F0E04}" presName="connTx" presStyleLbl="parChTrans1D3" presStyleIdx="0" presStyleCnt="1"/>
+      <dgm:prSet presAssocID="{FBF2C0C8-CE62-634D-98A2-5A2CB56F0E04}" presName="connTx" presStyleLbl="parChTrans1D3" presStyleIdx="0" presStyleCnt="2"/>
       <dgm:spPr/>
     </dgm:pt>
     <dgm:pt modelId="{EC5149C5-8648-6A45-B07B-1C3E70BFC1F4}" type="pres">
@@ -2685,7 +2721,7 @@
       <dgm:spPr/>
     </dgm:pt>
     <dgm:pt modelId="{BC45A62D-FD0F-6646-83EC-BF5FF48A47FB}" type="pres">
-      <dgm:prSet presAssocID="{ED360BF2-4EE1-934B-AF36-C578425F4938}" presName="LevelTwoTextNode" presStyleLbl="node3" presStyleIdx="0" presStyleCnt="1">
+      <dgm:prSet presAssocID="{ED360BF2-4EE1-934B-AF36-C578425F4938}" presName="LevelTwoTextNode" presStyleLbl="node3" presStyleIdx="0" presStyleCnt="2">
         <dgm:presLayoutVars>
           <dgm:chPref val="3"/>
         </dgm:presLayoutVars>
@@ -2792,6 +2828,30 @@
       <dgm:prSet presAssocID="{43094F3D-1AD2-3E4D-8F02-65DC47AB765E}" presName="level3hierChild" presStyleCnt="0"/>
       <dgm:spPr/>
     </dgm:pt>
+    <dgm:pt modelId="{4C8613C0-5566-1343-AD4F-EF0BDA06549F}" type="pres">
+      <dgm:prSet presAssocID="{1D8A4F99-E3B6-5A4D-AC38-97B71C5B3A02}" presName="conn2-1" presStyleLbl="parChTrans1D3" presStyleIdx="1" presStyleCnt="2"/>
+      <dgm:spPr/>
+    </dgm:pt>
+    <dgm:pt modelId="{64B9B04A-30B1-D84D-9C4E-25072797C9EA}" type="pres">
+      <dgm:prSet presAssocID="{1D8A4F99-E3B6-5A4D-AC38-97B71C5B3A02}" presName="connTx" presStyleLbl="parChTrans1D3" presStyleIdx="1" presStyleCnt="2"/>
+      <dgm:spPr/>
+    </dgm:pt>
+    <dgm:pt modelId="{C50E617B-F6CC-E84F-9652-D1C86A9D2AA5}" type="pres">
+      <dgm:prSet presAssocID="{9F13C3BF-C7E9-1A40-9313-E33B6016514E}" presName="root2" presStyleCnt="0"/>
+      <dgm:spPr/>
+    </dgm:pt>
+    <dgm:pt modelId="{EF97603E-FFB4-5B4C-AF64-BBBE28A49BC2}" type="pres">
+      <dgm:prSet presAssocID="{9F13C3BF-C7E9-1A40-9313-E33B6016514E}" presName="LevelTwoTextNode" presStyleLbl="node3" presStyleIdx="1" presStyleCnt="2">
+        <dgm:presLayoutVars>
+          <dgm:chPref val="3"/>
+        </dgm:presLayoutVars>
+      </dgm:prSet>
+      <dgm:spPr/>
+    </dgm:pt>
+    <dgm:pt modelId="{7EF5BC65-5CA8-B845-9711-8B44EB26C2E7}" type="pres">
+      <dgm:prSet presAssocID="{9F13C3BF-C7E9-1A40-9313-E33B6016514E}" presName="level3hierChild" presStyleCnt="0"/>
+      <dgm:spPr/>
+    </dgm:pt>
   </dgm:ptLst>
   <dgm:cxnLst>
     <dgm:cxn modelId="{9EE45008-A589-F244-99C8-0778AD392227}" type="presOf" srcId="{6CE31FE7-924D-AB4C-8C33-FBF9F7CB8B72}" destId="{71734FB4-80E7-4B44-8867-962CFC7B83AE}" srcOrd="0" destOrd="0" presId="urn:microsoft.com/office/officeart/2005/8/layout/hierarchy2"/>
@@ -2806,16 +2866,20 @@
     <dgm:cxn modelId="{566D2150-2618-8A45-8C01-1F57F7F74F92}" type="presOf" srcId="{FBF2C0C8-CE62-634D-98A2-5A2CB56F0E04}" destId="{417C68D7-1C9F-C243-BB69-4F8A47C501DC}" srcOrd="1" destOrd="0" presId="urn:microsoft.com/office/officeart/2005/8/layout/hierarchy2"/>
     <dgm:cxn modelId="{A06AAA50-8318-554F-87DC-81EB36E0778F}" type="presOf" srcId="{9BEACD2E-4537-7A4E-95D5-3F80034DB267}" destId="{B42FA5D7-C8E3-8847-BE65-43F430E39A1C}" srcOrd="0" destOrd="0" presId="urn:microsoft.com/office/officeart/2005/8/layout/hierarchy2"/>
     <dgm:cxn modelId="{AF178661-F7FE-8A44-9167-8F96D745F7CD}" type="presOf" srcId="{9090B867-1265-DE45-8F7F-BDB2A22C0442}" destId="{FC05621A-ADAA-FE4D-B3E1-F744284D7F98}" srcOrd="0" destOrd="0" presId="urn:microsoft.com/office/officeart/2005/8/layout/hierarchy2"/>
+    <dgm:cxn modelId="{D78F346B-8AC8-3748-A334-228086DB1E89}" srcId="{7FAFEEB8-13E0-DD40-A289-FC1B05EE57CF}" destId="{9F13C3BF-C7E9-1A40-9313-E33B6016514E}" srcOrd="1" destOrd="0" parTransId="{1D8A4F99-E3B6-5A4D-AC38-97B71C5B3A02}" sibTransId="{3A4F810B-2D2C-FA4A-B297-658F74B54AF6}"/>
     <dgm:cxn modelId="{882E4277-AA36-3240-8525-41F380D12133}" srcId="{6CE31FE7-924D-AB4C-8C33-FBF9F7CB8B72}" destId="{F1568058-A76F-554A-B871-4CDF091CA7EC}" srcOrd="0" destOrd="0" parTransId="{374A4883-3584-8547-B693-48673B52D866}" sibTransId="{63DAF6B7-19CE-B04C-BF2B-FDBBDE8582C7}"/>
     <dgm:cxn modelId="{E1777F77-994E-2D40-9396-7B60F077EE50}" srcId="{7FAFEEB8-13E0-DD40-A289-FC1B05EE57CF}" destId="{ED360BF2-4EE1-934B-AF36-C578425F4938}" srcOrd="0" destOrd="0" parTransId="{FBF2C0C8-CE62-634D-98A2-5A2CB56F0E04}" sibTransId="{E8DBA8FA-2D99-2344-A749-108D0E140B5E}"/>
+    <dgm:cxn modelId="{EC12CA79-9389-9643-B3A2-1BAC5C0DEDD9}" type="presOf" srcId="{9F13C3BF-C7E9-1A40-9313-E33B6016514E}" destId="{EF97603E-FFB4-5B4C-AF64-BBBE28A49BC2}" srcOrd="0" destOrd="0" presId="urn:microsoft.com/office/officeart/2005/8/layout/hierarchy2"/>
     <dgm:cxn modelId="{600DF07C-CCEE-F54F-80E1-D84DDCC479C1}" srcId="{ED360BF2-4EE1-934B-AF36-C578425F4938}" destId="{02EDDAB1-2CC7-8849-B3F2-4A41F3BF70F9}" srcOrd="2" destOrd="0" parTransId="{3D832892-3836-6645-BC50-01A6D16A46CF}" sibTransId="{79CB24E1-CB47-BE48-AB35-80F8E41EAB3E}"/>
     <dgm:cxn modelId="{6A94127F-2EA6-2E47-BC49-B1DBB208AA09}" type="presOf" srcId="{F1568058-A76F-554A-B871-4CDF091CA7EC}" destId="{A07D7A07-C67D-2744-82B7-431FF176A2C3}" srcOrd="0" destOrd="0" presId="urn:microsoft.com/office/officeart/2005/8/layout/hierarchy2"/>
     <dgm:cxn modelId="{8B5BC280-7180-6346-97D3-18E1EA11C3C3}" type="presOf" srcId="{BF4079F1-7451-E447-8076-200AA0F11199}" destId="{7803E22D-DAED-514A-BF7E-8AEF8414FE38}" srcOrd="0" destOrd="0" presId="urn:microsoft.com/office/officeart/2005/8/layout/hierarchy2"/>
     <dgm:cxn modelId="{DB1E4A88-1534-D249-8642-92FDCE8D1EB1}" type="presOf" srcId="{02EDDAB1-2CC7-8849-B3F2-4A41F3BF70F9}" destId="{C7C013CA-BC96-434E-8979-E280F710F135}" srcOrd="0" destOrd="0" presId="urn:microsoft.com/office/officeart/2005/8/layout/hierarchy2"/>
     <dgm:cxn modelId="{83DFD7A3-9336-3F48-9705-27221635FC82}" type="presOf" srcId="{BE604BFB-CFD1-694D-A8DF-ABCDF6C39660}" destId="{0B292FF0-603E-3F4A-9384-C1119755417B}" srcOrd="0" destOrd="0" presId="urn:microsoft.com/office/officeart/2005/8/layout/hierarchy2"/>
     <dgm:cxn modelId="{44B89AA5-5B77-E944-B88B-383459539270}" type="presOf" srcId="{F7CC93EF-31D5-214F-BF17-0D24D92976F5}" destId="{008B984E-D7E6-6B49-88EB-86B243E53DC9}" srcOrd="1" destOrd="0" presId="urn:microsoft.com/office/officeart/2005/8/layout/hierarchy2"/>
+    <dgm:cxn modelId="{C0A321B8-3CE7-DB4B-A044-DB522B558351}" type="presOf" srcId="{1D8A4F99-E3B6-5A4D-AC38-97B71C5B3A02}" destId="{64B9B04A-30B1-D84D-9C4E-25072797C9EA}" srcOrd="1" destOrd="0" presId="urn:microsoft.com/office/officeart/2005/8/layout/hierarchy2"/>
     <dgm:cxn modelId="{E00457C8-2C3E-5A48-BEEE-CC12621DB381}" type="presOf" srcId="{F7CC93EF-31D5-214F-BF17-0D24D92976F5}" destId="{B40E766D-F00F-C74A-9455-5B1C234F9757}" srcOrd="0" destOrd="0" presId="urn:microsoft.com/office/officeart/2005/8/layout/hierarchy2"/>
     <dgm:cxn modelId="{CA755DDC-4F7E-4046-94A5-C6657127C323}" srcId="{ED360BF2-4EE1-934B-AF36-C578425F4938}" destId="{9090B867-1265-DE45-8F7F-BDB2A22C0442}" srcOrd="0" destOrd="0" parTransId="{9BEACD2E-4537-7A4E-95D5-3F80034DB267}" sibTransId="{FA0F481E-311F-B043-BD44-63152E126123}"/>
+    <dgm:cxn modelId="{3CFFDFE0-2D6E-F644-9A0E-DBC5B70D9B58}" type="presOf" srcId="{1D8A4F99-E3B6-5A4D-AC38-97B71C5B3A02}" destId="{4C8613C0-5566-1343-AD4F-EF0BDA06549F}" srcOrd="0" destOrd="0" presId="urn:microsoft.com/office/officeart/2005/8/layout/hierarchy2"/>
     <dgm:cxn modelId="{B5D648EB-7D55-2F48-A64E-29B1C06E9589}" srcId="{ED360BF2-4EE1-934B-AF36-C578425F4938}" destId="{BF4079F1-7451-E447-8076-200AA0F11199}" srcOrd="1" destOrd="0" parTransId="{72914910-0BA8-FC4B-AFC9-83273AF2BEFA}" sibTransId="{B9A9E7BD-4C3E-FD4A-940D-1422B2085833}"/>
     <dgm:cxn modelId="{87D0FFEE-CFDF-604F-B6B2-21B2FBC86948}" type="presOf" srcId="{FBF2C0C8-CE62-634D-98A2-5A2CB56F0E04}" destId="{3DB2D27F-50A3-0444-9EE9-AF84A6FBF4E3}" srcOrd="0" destOrd="0" presId="urn:microsoft.com/office/officeart/2005/8/layout/hierarchy2"/>
     <dgm:cxn modelId="{F68E56EF-59EB-4543-8AF2-DBF9297B621D}" type="presOf" srcId="{43094F3D-1AD2-3E4D-8F02-65DC47AB765E}" destId="{F54818D0-A4D6-B54C-AD97-E7608BB69C5F}" srcOrd="0" destOrd="0" presId="urn:microsoft.com/office/officeart/2005/8/layout/hierarchy2"/>
@@ -2854,6 +2918,11 @@
     <dgm:cxn modelId="{C3A6A8DE-E2EE-6F44-AB85-AB0CB905102C}" type="presParOf" srcId="{F1DD8C11-3469-5F4C-A9A3-54910C5DC091}" destId="{9364C50D-364C-0449-906C-8E52B1CC39BC}" srcOrd="7" destOrd="0" presId="urn:microsoft.com/office/officeart/2005/8/layout/hierarchy2"/>
     <dgm:cxn modelId="{631E7679-4ABA-0A46-9377-BA5E4916F774}" type="presParOf" srcId="{9364C50D-364C-0449-906C-8E52B1CC39BC}" destId="{F54818D0-A4D6-B54C-AD97-E7608BB69C5F}" srcOrd="0" destOrd="0" presId="urn:microsoft.com/office/officeart/2005/8/layout/hierarchy2"/>
     <dgm:cxn modelId="{1F85F493-0D09-9C4E-8414-84E37F8C9E2E}" type="presParOf" srcId="{9364C50D-364C-0449-906C-8E52B1CC39BC}" destId="{875DEE75-4404-9649-A276-E1B37F1C3ABB}" srcOrd="1" destOrd="0" presId="urn:microsoft.com/office/officeart/2005/8/layout/hierarchy2"/>
+    <dgm:cxn modelId="{F151B954-1D3F-EB44-86D1-CCCB79C10710}" type="presParOf" srcId="{79C15D79-6D95-C54D-B684-F1DFA227873A}" destId="{4C8613C0-5566-1343-AD4F-EF0BDA06549F}" srcOrd="2" destOrd="0" presId="urn:microsoft.com/office/officeart/2005/8/layout/hierarchy2"/>
+    <dgm:cxn modelId="{2F6C1E9D-EC34-0443-A9B2-FA5D17C0FEEF}" type="presParOf" srcId="{4C8613C0-5566-1343-AD4F-EF0BDA06549F}" destId="{64B9B04A-30B1-D84D-9C4E-25072797C9EA}" srcOrd="0" destOrd="0" presId="urn:microsoft.com/office/officeart/2005/8/layout/hierarchy2"/>
+    <dgm:cxn modelId="{4D212475-EFF5-F540-8301-516D1D87EB3D}" type="presParOf" srcId="{79C15D79-6D95-C54D-B684-F1DFA227873A}" destId="{C50E617B-F6CC-E84F-9652-D1C86A9D2AA5}" srcOrd="3" destOrd="0" presId="urn:microsoft.com/office/officeart/2005/8/layout/hierarchy2"/>
+    <dgm:cxn modelId="{9C5591F4-CED8-574B-AD81-D56965557400}" type="presParOf" srcId="{C50E617B-F6CC-E84F-9652-D1C86A9D2AA5}" destId="{EF97603E-FFB4-5B4C-AF64-BBBE28A49BC2}" srcOrd="0" destOrd="0" presId="urn:microsoft.com/office/officeart/2005/8/layout/hierarchy2"/>
+    <dgm:cxn modelId="{CDFC4D99-1EDF-FC41-A0C9-A9B8987AE63E}" type="presParOf" srcId="{C50E617B-F6CC-E84F-9652-D1C86A9D2AA5}" destId="{7EF5BC65-5CA8-B845-9711-8B44EB26C2E7}" srcOrd="1" destOrd="0" presId="urn:microsoft.com/office/officeart/2005/8/layout/hierarchy2"/>
   </dgm:cxnLst>
   <dgm:bg/>
   <dgm:whole/>
@@ -2963,6 +3032,12 @@
             <a:t>Check for errors</a:t>
           </a:r>
         </a:p>
+        <a:p>
+          <a:r>
+            <a:rPr lang="en-GB" dirty="0"/>
+            <a:t>(error queue min &gt;threshold)</a:t>
+          </a:r>
+        </a:p>
       </dgm:t>
     </dgm:pt>
     <dgm:pt modelId="{BD57D533-A36F-A74D-85B2-510636EE0C78}" type="parTrans" cxnId="{E05464F6-7275-F24A-92E3-D7000E74AD07}">
@@ -2997,6 +3072,12 @@
           <a:r>
             <a:rPr lang="en-GB" dirty="0"/>
             <a:t>Adapt reference</a:t>
+          </a:r>
+        </a:p>
+        <a:p>
+          <a:r>
+            <a:rPr lang="en-GB" dirty="0"/>
+            <a:t>(if no collision)</a:t>
           </a:r>
         </a:p>
       </dgm:t>
@@ -3488,7 +3569,7 @@
       </dsp:nvSpPr>
       <dsp:spPr>
         <a:xfrm>
-          <a:off x="1484" y="1307984"/>
+          <a:off x="1484" y="1565635"/>
           <a:ext cx="896177" cy="448088"/>
         </a:xfrm>
         <a:prstGeom prst="roundRect">
@@ -3557,7 +3638,7 @@
         </a:p>
       </dsp:txBody>
       <dsp:txXfrm>
-        <a:off x="14608" y="1321108"/>
+        <a:off x="14608" y="1578759"/>
         <a:ext cx="869929" cy="421840"/>
       </dsp:txXfrm>
     </dsp:sp>
@@ -3568,7 +3649,7 @@
       </dsp:nvSpPr>
       <dsp:spPr>
         <a:xfrm>
-          <a:off x="897661" y="1518867"/>
+          <a:off x="897661" y="1776518"/>
           <a:ext cx="358470" cy="26323"/>
         </a:xfrm>
         <a:custGeom>
@@ -3638,7 +3719,7 @@
         </a:p>
       </dsp:txBody>
       <dsp:txXfrm>
-        <a:off x="1067935" y="1523067"/>
+        <a:off x="1067935" y="1780718"/>
         <a:ext cx="17923" cy="17923"/>
       </dsp:txXfrm>
     </dsp:sp>
@@ -3649,7 +3730,7 @@
       </dsp:nvSpPr>
       <dsp:spPr>
         <a:xfrm>
-          <a:off x="1256132" y="1307984"/>
+          <a:off x="1256132" y="1565635"/>
           <a:ext cx="896177" cy="448088"/>
         </a:xfrm>
         <a:prstGeom prst="roundRect">
@@ -3718,7 +3799,7 @@
         </a:p>
       </dsp:txBody>
       <dsp:txXfrm>
-        <a:off x="1269256" y="1321108"/>
+        <a:off x="1269256" y="1578759"/>
         <a:ext cx="869929" cy="421840"/>
       </dsp:txXfrm>
     </dsp:sp>
@@ -3728,9 +3809,9 @@
         <dsp:cNvSpPr/>
       </dsp:nvSpPr>
       <dsp:spPr>
-        <a:xfrm>
-          <a:off x="2152309" y="1518867"/>
-          <a:ext cx="358470" cy="26323"/>
+        <a:xfrm rot="19457599">
+          <a:off x="2110815" y="1647692"/>
+          <a:ext cx="441458" cy="26323"/>
         </a:xfrm>
         <a:custGeom>
           <a:avLst/>
@@ -3744,7 +3825,7 @@
                 <a:pt x="0" y="13161"/>
               </a:moveTo>
               <a:lnTo>
-                <a:pt x="358470" y="13161"/>
+                <a:pt x="441458" y="13161"/>
               </a:lnTo>
             </a:path>
           </a:pathLst>
@@ -3799,8 +3880,8 @@
         </a:p>
       </dsp:txBody>
       <dsp:txXfrm>
-        <a:off x="2322583" y="1523067"/>
-        <a:ext cx="17923" cy="17923"/>
+        <a:off x="2320508" y="1649818"/>
+        <a:ext cx="22072" cy="22072"/>
       </dsp:txXfrm>
     </dsp:sp>
     <dsp:sp modelId="{BC45A62D-FD0F-6646-83EC-BF5FF48A47FB}">
@@ -4527,6 +4608,167 @@
         <a:ext cx="869929" cy="421840"/>
       </dsp:txXfrm>
     </dsp:sp>
+    <dsp:sp modelId="{4C8613C0-5566-1343-AD4F-EF0BDA06549F}">
+      <dsp:nvSpPr>
+        <dsp:cNvPr id="0" name=""/>
+        <dsp:cNvSpPr/>
+      </dsp:nvSpPr>
+      <dsp:spPr>
+        <a:xfrm rot="2142401">
+          <a:off x="2110815" y="1905343"/>
+          <a:ext cx="441458" cy="26323"/>
+        </a:xfrm>
+        <a:custGeom>
+          <a:avLst/>
+          <a:gdLst/>
+          <a:ahLst/>
+          <a:cxnLst/>
+          <a:rect l="0" t="0" r="0" b="0"/>
+          <a:pathLst>
+            <a:path>
+              <a:moveTo>
+                <a:pt x="0" y="13161"/>
+              </a:moveTo>
+              <a:lnTo>
+                <a:pt x="441458" y="13161"/>
+              </a:lnTo>
+            </a:path>
+          </a:pathLst>
+        </a:custGeom>
+        <a:noFill/>
+        <a:ln w="12700" cap="flat" cmpd="sng" algn="ctr">
+          <a:solidFill>
+            <a:schemeClr val="accent1">
+              <a:shade val="80000"/>
+              <a:hueOff val="0"/>
+              <a:satOff val="0"/>
+              <a:lumOff val="0"/>
+              <a:alphaOff val="0"/>
+            </a:schemeClr>
+          </a:solidFill>
+          <a:prstDash val="solid"/>
+          <a:miter lim="800000"/>
+        </a:ln>
+        <a:effectLst/>
+      </dsp:spPr>
+      <dsp:style>
+        <a:lnRef idx="2">
+          <a:scrgbClr r="0" g="0" b="0"/>
+        </a:lnRef>
+        <a:fillRef idx="0">
+          <a:scrgbClr r="0" g="0" b="0"/>
+        </a:fillRef>
+        <a:effectRef idx="0">
+          <a:scrgbClr r="0" g="0" b="0"/>
+        </a:effectRef>
+        <a:fontRef idx="minor"/>
+      </dsp:style>
+      <dsp:txBody>
+        <a:bodyPr spcFirstLastPara="0" vert="horz" wrap="square" lIns="12700" tIns="0" rIns="12700" bIns="0" numCol="1" spcCol="1270" anchor="ctr" anchorCtr="0">
+          <a:noAutofit/>
+        </a:bodyPr>
+        <a:lstStyle/>
+        <a:p>
+          <a:pPr marL="0" lvl="0" indent="0" algn="ctr" defTabSz="222250">
+            <a:lnSpc>
+              <a:spcPct val="90000"/>
+            </a:lnSpc>
+            <a:spcBef>
+              <a:spcPct val="0"/>
+            </a:spcBef>
+            <a:spcAft>
+              <a:spcPct val="35000"/>
+            </a:spcAft>
+            <a:buNone/>
+          </a:pPr>
+          <a:endParaRPr lang="en-GB" sz="500" kern="1200"/>
+        </a:p>
+      </dsp:txBody>
+      <dsp:txXfrm>
+        <a:off x="2320508" y="1907468"/>
+        <a:ext cx="22072" cy="22072"/>
+      </dsp:txXfrm>
+    </dsp:sp>
+    <dsp:sp modelId="{EF97603E-FFB4-5B4C-AF64-BBBE28A49BC2}">
+      <dsp:nvSpPr>
+        <dsp:cNvPr id="0" name=""/>
+        <dsp:cNvSpPr/>
+      </dsp:nvSpPr>
+      <dsp:spPr>
+        <a:xfrm>
+          <a:off x="2510780" y="1823286"/>
+          <a:ext cx="896177" cy="448088"/>
+        </a:xfrm>
+        <a:prstGeom prst="roundRect">
+          <a:avLst>
+            <a:gd name="adj" fmla="val 10000"/>
+          </a:avLst>
+        </a:prstGeom>
+        <a:solidFill>
+          <a:schemeClr val="accent1">
+            <a:hueOff val="0"/>
+            <a:satOff val="0"/>
+            <a:lumOff val="0"/>
+            <a:alphaOff val="0"/>
+          </a:schemeClr>
+        </a:solidFill>
+        <a:ln w="12700" cap="flat" cmpd="sng" algn="ctr">
+          <a:solidFill>
+            <a:schemeClr val="lt1">
+              <a:hueOff val="0"/>
+              <a:satOff val="0"/>
+              <a:lumOff val="0"/>
+              <a:alphaOff val="0"/>
+            </a:schemeClr>
+          </a:solidFill>
+          <a:prstDash val="solid"/>
+          <a:miter lim="800000"/>
+        </a:ln>
+        <a:effectLst/>
+      </dsp:spPr>
+      <dsp:style>
+        <a:lnRef idx="2">
+          <a:scrgbClr r="0" g="0" b="0"/>
+        </a:lnRef>
+        <a:fillRef idx="1">
+          <a:scrgbClr r="0" g="0" b="0"/>
+        </a:fillRef>
+        <a:effectRef idx="0">
+          <a:scrgbClr r="0" g="0" b="0"/>
+        </a:effectRef>
+        <a:fontRef idx="minor">
+          <a:schemeClr val="lt1"/>
+        </a:fontRef>
+      </dsp:style>
+      <dsp:txBody>
+        <a:bodyPr spcFirstLastPara="0" vert="horz" wrap="square" lIns="5715" tIns="5715" rIns="5715" bIns="5715" numCol="1" spcCol="1270" anchor="ctr" anchorCtr="0">
+          <a:noAutofit/>
+        </a:bodyPr>
+        <a:lstStyle/>
+        <a:p>
+          <a:pPr marL="0" lvl="0" indent="0" algn="ctr" defTabSz="400050">
+            <a:lnSpc>
+              <a:spcPct val="90000"/>
+            </a:lnSpc>
+            <a:spcBef>
+              <a:spcPct val="0"/>
+            </a:spcBef>
+            <a:spcAft>
+              <a:spcPct val="35000"/>
+            </a:spcAft>
+            <a:buNone/>
+          </a:pPr>
+          <a:r>
+            <a:rPr lang="en-GB" sz="900" kern="1200" dirty="0"/>
+            <a:t>Monitor current cycle time</a:t>
+          </a:r>
+        </a:p>
+      </dsp:txBody>
+      <dsp:txXfrm>
+        <a:off x="2523904" y="1836410"/>
+        <a:ext cx="869929" cy="421840"/>
+      </dsp:txXfrm>
+    </dsp:sp>
   </dsp:spTree>
 </dsp:drawing>
 </file>
@@ -4591,12 +4833,12 @@
         </a:fontRef>
       </dsp:style>
       <dsp:txBody>
-        <a:bodyPr spcFirstLastPara="0" vert="horz" wrap="square" lIns="6350" tIns="6350" rIns="6350" bIns="6350" numCol="1" spcCol="1270" anchor="ctr" anchorCtr="0">
+        <a:bodyPr spcFirstLastPara="0" vert="horz" wrap="square" lIns="5715" tIns="5715" rIns="5715" bIns="5715" numCol="1" spcCol="1270" anchor="ctr" anchorCtr="0">
           <a:noAutofit/>
         </a:bodyPr>
         <a:lstStyle/>
         <a:p>
-          <a:pPr marL="0" lvl="0" indent="0" algn="ctr" defTabSz="444500">
+          <a:pPr marL="0" lvl="0" indent="0" algn="ctr" defTabSz="400050">
             <a:lnSpc>
               <a:spcPct val="90000"/>
             </a:lnSpc>
@@ -4609,7 +4851,7 @@
             <a:buNone/>
           </a:pPr>
           <a:r>
-            <a:rPr lang="en-GB" sz="1000" kern="1200" dirty="0"/>
+            <a:rPr lang="en-GB" sz="900" kern="1200" dirty="0"/>
             <a:t>Collect distance and status from sensors</a:t>
           </a:r>
         </a:p>
@@ -4752,12 +4994,12 @@
         </a:fontRef>
       </dsp:style>
       <dsp:txBody>
-        <a:bodyPr spcFirstLastPara="0" vert="horz" wrap="square" lIns="6350" tIns="6350" rIns="6350" bIns="6350" numCol="1" spcCol="1270" anchor="ctr" anchorCtr="0">
+        <a:bodyPr spcFirstLastPara="0" vert="horz" wrap="square" lIns="5715" tIns="5715" rIns="5715" bIns="5715" numCol="1" spcCol="1270" anchor="ctr" anchorCtr="0">
           <a:noAutofit/>
         </a:bodyPr>
         <a:lstStyle/>
         <a:p>
-          <a:pPr marL="0" lvl="0" indent="0" algn="ctr" defTabSz="444500">
+          <a:pPr marL="0" lvl="0" indent="0" algn="ctr" defTabSz="400050">
             <a:lnSpc>
               <a:spcPct val="90000"/>
             </a:lnSpc>
@@ -4770,7 +5012,7 @@
             <a:buNone/>
           </a:pPr>
           <a:r>
-            <a:rPr lang="en-GB" sz="1000" kern="1200" dirty="0"/>
+            <a:rPr lang="en-GB" sz="900" kern="1200" dirty="0"/>
             <a:t>Handle status codes</a:t>
           </a:r>
         </a:p>
@@ -4913,12 +5155,12 @@
         </a:fontRef>
       </dsp:style>
       <dsp:txBody>
-        <a:bodyPr spcFirstLastPara="0" vert="horz" wrap="square" lIns="6350" tIns="6350" rIns="6350" bIns="6350" numCol="1" spcCol="1270" anchor="ctr" anchorCtr="0">
+        <a:bodyPr spcFirstLastPara="0" vert="horz" wrap="square" lIns="5715" tIns="5715" rIns="5715" bIns="5715" numCol="1" spcCol="1270" anchor="ctr" anchorCtr="0">
           <a:noAutofit/>
         </a:bodyPr>
         <a:lstStyle/>
         <a:p>
-          <a:pPr marL="0" lvl="0" indent="0" algn="ctr" defTabSz="444500">
+          <a:pPr marL="0" lvl="0" indent="0" algn="ctr" defTabSz="400050">
             <a:lnSpc>
               <a:spcPct val="90000"/>
             </a:lnSpc>
@@ -4931,8 +5173,26 @@
             <a:buNone/>
           </a:pPr>
           <a:r>
-            <a:rPr lang="en-GB" sz="1000" kern="1200" dirty="0"/>
+            <a:rPr lang="en-GB" sz="900" kern="1200" dirty="0"/>
             <a:t>Check for errors</a:t>
+          </a:r>
+        </a:p>
+        <a:p>
+          <a:pPr marL="0" lvl="0" indent="0" algn="ctr" defTabSz="400050">
+            <a:lnSpc>
+              <a:spcPct val="90000"/>
+            </a:lnSpc>
+            <a:spcBef>
+              <a:spcPct val="0"/>
+            </a:spcBef>
+            <a:spcAft>
+              <a:spcPct val="35000"/>
+            </a:spcAft>
+            <a:buNone/>
+          </a:pPr>
+          <a:r>
+            <a:rPr lang="en-GB" sz="900" kern="1200" dirty="0"/>
+            <a:t>(error queue min &gt;threshold)</a:t>
           </a:r>
         </a:p>
       </dsp:txBody>
@@ -5074,12 +5334,12 @@
         </a:fontRef>
       </dsp:style>
       <dsp:txBody>
-        <a:bodyPr spcFirstLastPara="0" vert="horz" wrap="square" lIns="6350" tIns="6350" rIns="6350" bIns="6350" numCol="1" spcCol="1270" anchor="ctr" anchorCtr="0">
+        <a:bodyPr spcFirstLastPara="0" vert="horz" wrap="square" lIns="5715" tIns="5715" rIns="5715" bIns="5715" numCol="1" spcCol="1270" anchor="ctr" anchorCtr="0">
           <a:noAutofit/>
         </a:bodyPr>
         <a:lstStyle/>
         <a:p>
-          <a:pPr marL="0" lvl="0" indent="0" algn="ctr" defTabSz="444500">
+          <a:pPr marL="0" lvl="0" indent="0" algn="ctr" defTabSz="400050">
             <a:lnSpc>
               <a:spcPct val="90000"/>
             </a:lnSpc>
@@ -5092,8 +5352,26 @@
             <a:buNone/>
           </a:pPr>
           <a:r>
-            <a:rPr lang="en-GB" sz="1000" kern="1200" dirty="0"/>
+            <a:rPr lang="en-GB" sz="900" kern="1200" dirty="0"/>
             <a:t>Adapt reference</a:t>
+          </a:r>
+        </a:p>
+        <a:p>
+          <a:pPr marL="0" lvl="0" indent="0" algn="ctr" defTabSz="400050">
+            <a:lnSpc>
+              <a:spcPct val="90000"/>
+            </a:lnSpc>
+            <a:spcBef>
+              <a:spcPct val="0"/>
+            </a:spcBef>
+            <a:spcAft>
+              <a:spcPct val="35000"/>
+            </a:spcAft>
+            <a:buNone/>
+          </a:pPr>
+          <a:r>
+            <a:rPr lang="en-GB" sz="900" kern="1200" dirty="0"/>
+            <a:t>(if no collision)</a:t>
           </a:r>
         </a:p>
       </dsp:txBody>
@@ -9892,7 +10170,7 @@
           <a:p>
             <a:fld id="{0D484817-E442-ED4C-872D-10C1D8033690}" type="datetimeFigureOut">
               <a:rPr lang="en-SI" smtClean="0"/>
-              <a:t>10/03/2023</a:t>
+              <a:t>01/10/2023</a:t>
             </a:fld>
             <a:endParaRPr lang="en-SI"/>
           </a:p>
@@ -10092,7 +10370,7 @@
           <a:p>
             <a:fld id="{0D484817-E442-ED4C-872D-10C1D8033690}" type="datetimeFigureOut">
               <a:rPr lang="en-SI" smtClean="0"/>
-              <a:t>10/03/2023</a:t>
+              <a:t>01/10/2023</a:t>
             </a:fld>
             <a:endParaRPr lang="en-SI"/>
           </a:p>
@@ -10302,7 +10580,7 @@
           <a:p>
             <a:fld id="{0D484817-E442-ED4C-872D-10C1D8033690}" type="datetimeFigureOut">
               <a:rPr lang="en-SI" smtClean="0"/>
-              <a:t>10/03/2023</a:t>
+              <a:t>01/10/2023</a:t>
             </a:fld>
             <a:endParaRPr lang="en-SI"/>
           </a:p>
@@ -10502,7 +10780,7 @@
           <a:p>
             <a:fld id="{0D484817-E442-ED4C-872D-10C1D8033690}" type="datetimeFigureOut">
               <a:rPr lang="en-SI" smtClean="0"/>
-              <a:t>10/03/2023</a:t>
+              <a:t>01/10/2023</a:t>
             </a:fld>
             <a:endParaRPr lang="en-SI"/>
           </a:p>
@@ -10778,7 +11056,7 @@
           <a:p>
             <a:fld id="{0D484817-E442-ED4C-872D-10C1D8033690}" type="datetimeFigureOut">
               <a:rPr lang="en-SI" smtClean="0"/>
-              <a:t>10/03/2023</a:t>
+              <a:t>01/10/2023</a:t>
             </a:fld>
             <a:endParaRPr lang="en-SI"/>
           </a:p>
@@ -11046,7 +11324,7 @@
           <a:p>
             <a:fld id="{0D484817-E442-ED4C-872D-10C1D8033690}" type="datetimeFigureOut">
               <a:rPr lang="en-SI" smtClean="0"/>
-              <a:t>10/03/2023</a:t>
+              <a:t>01/10/2023</a:t>
             </a:fld>
             <a:endParaRPr lang="en-SI"/>
           </a:p>
@@ -11461,7 +11739,7 @@
           <a:p>
             <a:fld id="{0D484817-E442-ED4C-872D-10C1D8033690}" type="datetimeFigureOut">
               <a:rPr lang="en-SI" smtClean="0"/>
-              <a:t>10/03/2023</a:t>
+              <a:t>01/10/2023</a:t>
             </a:fld>
             <a:endParaRPr lang="en-SI"/>
           </a:p>
@@ -11603,7 +11881,7 @@
           <a:p>
             <a:fld id="{0D484817-E442-ED4C-872D-10C1D8033690}" type="datetimeFigureOut">
               <a:rPr lang="en-SI" smtClean="0"/>
-              <a:t>10/03/2023</a:t>
+              <a:t>01/10/2023</a:t>
             </a:fld>
             <a:endParaRPr lang="en-SI"/>
           </a:p>
@@ -11716,7 +11994,7 @@
           <a:p>
             <a:fld id="{0D484817-E442-ED4C-872D-10C1D8033690}" type="datetimeFigureOut">
               <a:rPr lang="en-SI" smtClean="0"/>
-              <a:t>10/03/2023</a:t>
+              <a:t>01/10/2023</a:t>
             </a:fld>
             <a:endParaRPr lang="en-SI"/>
           </a:p>
@@ -12029,7 +12307,7 @@
           <a:p>
             <a:fld id="{0D484817-E442-ED4C-872D-10C1D8033690}" type="datetimeFigureOut">
               <a:rPr lang="en-SI" smtClean="0"/>
-              <a:t>10/03/2023</a:t>
+              <a:t>01/10/2023</a:t>
             </a:fld>
             <a:endParaRPr lang="en-SI"/>
           </a:p>
@@ -12318,7 +12596,7 @@
           <a:p>
             <a:fld id="{0D484817-E442-ED4C-872D-10C1D8033690}" type="datetimeFigureOut">
               <a:rPr lang="en-SI" smtClean="0"/>
-              <a:t>10/03/2023</a:t>
+              <a:t>01/10/2023</a:t>
             </a:fld>
             <a:endParaRPr lang="en-SI"/>
           </a:p>
@@ -12561,7 +12839,7 @@
           <a:p>
             <a:fld id="{0D484817-E442-ED4C-872D-10C1D8033690}" type="datetimeFigureOut">
               <a:rPr lang="en-SI" smtClean="0"/>
-              <a:t>10/03/2023</a:t>
+              <a:t>01/10/2023</a:t>
             </a:fld>
             <a:endParaRPr lang="en-SI"/>
           </a:p>
@@ -12991,7 +13269,7 @@
           <p:nvPr>
             <p:extLst>
               <p:ext uri="{D42A27DB-BD31-4B8C-83A1-F6EECF244321}">
-                <p14:modId xmlns:p14="http://schemas.microsoft.com/office/powerpoint/2010/main" val="3046424047"/>
+                <p14:modId xmlns:p14="http://schemas.microsoft.com/office/powerpoint/2010/main" val="2595184339"/>
               </p:ext>
             </p:extLst>
           </p:nvPr>
@@ -13019,7 +13297,7 @@
           <p:nvPr>
             <p:extLst>
               <p:ext uri="{D42A27DB-BD31-4B8C-83A1-F6EECF244321}">
-                <p14:modId xmlns:p14="http://schemas.microsoft.com/office/powerpoint/2010/main" val="4076565045"/>
+                <p14:modId xmlns:p14="http://schemas.microsoft.com/office/powerpoint/2010/main" val="4294149806"/>
               </p:ext>
             </p:extLst>
           </p:nvPr>
